--- a/carpool/src/main/webapp/resources/info/carpool.pptx
+++ b/carpool/src/main/webapp/resources/info/carpool.pptx
@@ -1,6 +1,6 @@
 
 <file path=ppt/presentation.xml><?xml version="1.0" encoding="utf-8"?>
-<p:presentation xmlns:a="http://schemas.openxmlformats.org/drawingml/2006/main" xmlns:r="http://schemas.openxmlformats.org/officeDocument/2006/relationships" xmlns:p="http://schemas.openxmlformats.org/presentationml/2006/main" saveSubsetFonts="1">
+<p:presentation xmlns:a="http://schemas.openxmlformats.org/drawingml/2006/main" xmlns:r="http://schemas.openxmlformats.org/officeDocument/2006/relationships" xmlns:p="http://schemas.openxmlformats.org/presentationml/2006/main" serverZoom="26141" saveSubsetFonts="1">
   <p:sldMasterIdLst>
     <p:sldMasterId id="2147483672" r:id="rId1"/>
   </p:sldMasterIdLst>
@@ -249,7 +249,7 @@
           <a:p>
             <a:fld id="{F152A182-306C-4C8F-8B6B-980AD629C139}" type="datetimeFigureOut">
               <a:rPr lang="ko-KR" altLang="en-US" smtClean="0"/>
-              <a:t>2018-10-29</a:t>
+              <a:t>2018-12-17</a:t>
             </a:fld>
             <a:endParaRPr lang="ko-KR" altLang="en-US"/>
           </a:p>
@@ -419,7 +419,7 @@
           <a:p>
             <a:fld id="{F152A182-306C-4C8F-8B6B-980AD629C139}" type="datetimeFigureOut">
               <a:rPr lang="ko-KR" altLang="en-US" smtClean="0"/>
-              <a:t>2018-10-29</a:t>
+              <a:t>2018-12-17</a:t>
             </a:fld>
             <a:endParaRPr lang="ko-KR" altLang="en-US"/>
           </a:p>
@@ -599,7 +599,7 @@
           <a:p>
             <a:fld id="{F152A182-306C-4C8F-8B6B-980AD629C139}" type="datetimeFigureOut">
               <a:rPr lang="ko-KR" altLang="en-US" smtClean="0"/>
-              <a:t>2018-10-29</a:t>
+              <a:t>2018-12-17</a:t>
             </a:fld>
             <a:endParaRPr lang="ko-KR" altLang="en-US"/>
           </a:p>
@@ -769,7 +769,7 @@
           <a:p>
             <a:fld id="{F152A182-306C-4C8F-8B6B-980AD629C139}" type="datetimeFigureOut">
               <a:rPr lang="ko-KR" altLang="en-US" smtClean="0"/>
-              <a:t>2018-10-29</a:t>
+              <a:t>2018-12-17</a:t>
             </a:fld>
             <a:endParaRPr lang="ko-KR" altLang="en-US"/>
           </a:p>
@@ -1013,7 +1013,7 @@
           <a:p>
             <a:fld id="{F152A182-306C-4C8F-8B6B-980AD629C139}" type="datetimeFigureOut">
               <a:rPr lang="ko-KR" altLang="en-US" smtClean="0"/>
-              <a:t>2018-10-29</a:t>
+              <a:t>2018-12-17</a:t>
             </a:fld>
             <a:endParaRPr lang="ko-KR" altLang="en-US"/>
           </a:p>
@@ -1245,7 +1245,7 @@
           <a:p>
             <a:fld id="{F152A182-306C-4C8F-8B6B-980AD629C139}" type="datetimeFigureOut">
               <a:rPr lang="ko-KR" altLang="en-US" smtClean="0"/>
-              <a:t>2018-10-29</a:t>
+              <a:t>2018-12-17</a:t>
             </a:fld>
             <a:endParaRPr lang="ko-KR" altLang="en-US"/>
           </a:p>
@@ -1612,7 +1612,7 @@
           <a:p>
             <a:fld id="{F152A182-306C-4C8F-8B6B-980AD629C139}" type="datetimeFigureOut">
               <a:rPr lang="ko-KR" altLang="en-US" smtClean="0"/>
-              <a:t>2018-10-29</a:t>
+              <a:t>2018-12-17</a:t>
             </a:fld>
             <a:endParaRPr lang="ko-KR" altLang="en-US"/>
           </a:p>
@@ -1730,7 +1730,7 @@
           <a:p>
             <a:fld id="{F152A182-306C-4C8F-8B6B-980AD629C139}" type="datetimeFigureOut">
               <a:rPr lang="ko-KR" altLang="en-US" smtClean="0"/>
-              <a:t>2018-10-29</a:t>
+              <a:t>2018-12-17</a:t>
             </a:fld>
             <a:endParaRPr lang="ko-KR" altLang="en-US"/>
           </a:p>
@@ -1825,7 +1825,7 @@
           <a:p>
             <a:fld id="{F152A182-306C-4C8F-8B6B-980AD629C139}" type="datetimeFigureOut">
               <a:rPr lang="ko-KR" altLang="en-US" smtClean="0"/>
-              <a:t>2018-10-29</a:t>
+              <a:t>2018-12-17</a:t>
             </a:fld>
             <a:endParaRPr lang="ko-KR" altLang="en-US"/>
           </a:p>
@@ -2102,7 +2102,7 @@
           <a:p>
             <a:fld id="{F152A182-306C-4C8F-8B6B-980AD629C139}" type="datetimeFigureOut">
               <a:rPr lang="ko-KR" altLang="en-US" smtClean="0"/>
-              <a:t>2018-10-29</a:t>
+              <a:t>2018-12-17</a:t>
             </a:fld>
             <a:endParaRPr lang="ko-KR" altLang="en-US"/>
           </a:p>
@@ -2359,7 +2359,7 @@
           <a:p>
             <a:fld id="{F152A182-306C-4C8F-8B6B-980AD629C139}" type="datetimeFigureOut">
               <a:rPr lang="ko-KR" altLang="en-US" smtClean="0"/>
-              <a:t>2018-10-29</a:t>
+              <a:t>2018-12-17</a:t>
             </a:fld>
             <a:endParaRPr lang="ko-KR" altLang="en-US"/>
           </a:p>
@@ -2572,7 +2572,7 @@
           <a:p>
             <a:fld id="{F152A182-306C-4C8F-8B6B-980AD629C139}" type="datetimeFigureOut">
               <a:rPr lang="ko-KR" altLang="en-US" smtClean="0"/>
-              <a:t>2018-10-29</a:t>
+              <a:t>2018-12-17</a:t>
             </a:fld>
             <a:endParaRPr lang="ko-KR" altLang="en-US"/>
           </a:p>
